--- a/Group12_Task2/Group 12 Task2.pptx
+++ b/Group12_Task2/Group 12 Task2.pptx
@@ -5,7 +5,7 @@
     <p:sldMasterId id="2147483672" r:id="rId1"/>
   </p:sldMasterIdLst>
   <p:notesMasterIdLst>
-    <p:notesMasterId r:id="rId22"/>
+    <p:notesMasterId r:id="rId21"/>
   </p:notesMasterIdLst>
   <p:sldIdLst>
     <p:sldId id="256" r:id="rId2"/>
@@ -20,14 +20,13 @@
     <p:sldId id="279" r:id="rId11"/>
     <p:sldId id="272" r:id="rId12"/>
     <p:sldId id="277" r:id="rId13"/>
-    <p:sldId id="273" r:id="rId14"/>
-    <p:sldId id="275" r:id="rId15"/>
+    <p:sldId id="275" r:id="rId14"/>
+    <p:sldId id="273" r:id="rId15"/>
     <p:sldId id="276" r:id="rId16"/>
     <p:sldId id="262" r:id="rId17"/>
-    <p:sldId id="263" r:id="rId18"/>
-    <p:sldId id="280" r:id="rId19"/>
-    <p:sldId id="264" r:id="rId20"/>
-    <p:sldId id="281" r:id="rId21"/>
+    <p:sldId id="280" r:id="rId18"/>
+    <p:sldId id="264" r:id="rId19"/>
+    <p:sldId id="281" r:id="rId20"/>
   </p:sldIdLst>
   <p:sldSz cx="12192000" cy="6858000"/>
   <p:notesSz cx="6858000" cy="9144000"/>
@@ -216,7 +215,7 @@
           <a:p>
             <a:fld id="{13683672-F4B6-4D5E-ABD4-844A1605E546}" type="datetimeFigureOut">
               <a:rPr lang="en-US" smtClean="0"/>
-              <a:t>4/14/2025</a:t>
+              <a:t>4/25/2025</a:t>
             </a:fld>
             <a:endParaRPr lang="en-US"/>
           </a:p>
@@ -1416,7 +1415,7 @@
           <a:p>
             <a:fld id="{F18C1BFF-F06D-4EBF-A4BA-555578FDF24E}" type="datetimeFigureOut">
               <a:rPr lang="en-US" smtClean="0"/>
-              <a:t>4/14/2025</a:t>
+              <a:t>4/25/2025</a:t>
             </a:fld>
             <a:endParaRPr lang="en-US"/>
           </a:p>
@@ -1712,7 +1711,7 @@
           <a:p>
             <a:fld id="{F18C1BFF-F06D-4EBF-A4BA-555578FDF24E}" type="datetimeFigureOut">
               <a:rPr lang="en-US" smtClean="0"/>
-              <a:t>4/14/2025</a:t>
+              <a:t>4/25/2025</a:t>
             </a:fld>
             <a:endParaRPr lang="en-US"/>
           </a:p>
@@ -1960,7 +1959,7 @@
           <a:p>
             <a:fld id="{F18C1BFF-F06D-4EBF-A4BA-555578FDF24E}" type="datetimeFigureOut">
               <a:rPr lang="en-US" smtClean="0"/>
-              <a:t>4/14/2025</a:t>
+              <a:t>4/25/2025</a:t>
             </a:fld>
             <a:endParaRPr lang="en-US"/>
           </a:p>
@@ -2500,7 +2499,7 @@
           <a:p>
             <a:fld id="{F18C1BFF-F06D-4EBF-A4BA-555578FDF24E}" type="datetimeFigureOut">
               <a:rPr lang="en-US" smtClean="0"/>
-              <a:t>4/14/2025</a:t>
+              <a:t>4/25/2025</a:t>
             </a:fld>
             <a:endParaRPr lang="en-US"/>
           </a:p>
@@ -2748,7 +2747,7 @@
           <a:p>
             <a:fld id="{F18C1BFF-F06D-4EBF-A4BA-555578FDF24E}" type="datetimeFigureOut">
               <a:rPr lang="en-US" smtClean="0"/>
-              <a:t>4/14/2025</a:t>
+              <a:t>4/25/2025</a:t>
             </a:fld>
             <a:endParaRPr lang="en-US"/>
           </a:p>
@@ -3280,7 +3279,7 @@
           <a:p>
             <a:fld id="{F18C1BFF-F06D-4EBF-A4BA-555578FDF24E}" type="datetimeFigureOut">
               <a:rPr lang="en-US" smtClean="0"/>
-              <a:t>4/14/2025</a:t>
+              <a:t>4/25/2025</a:t>
             </a:fld>
             <a:endParaRPr lang="en-US"/>
           </a:p>
@@ -3577,7 +3576,7 @@
           <a:p>
             <a:fld id="{F18C1BFF-F06D-4EBF-A4BA-555578FDF24E}" type="datetimeFigureOut">
               <a:rPr lang="en-US" smtClean="0"/>
-              <a:t>4/14/2025</a:t>
+              <a:t>4/25/2025</a:t>
             </a:fld>
             <a:endParaRPr lang="en-US"/>
           </a:p>
@@ -3751,7 +3750,7 @@
           <a:p>
             <a:fld id="{F18C1BFF-F06D-4EBF-A4BA-555578FDF24E}" type="datetimeFigureOut">
               <a:rPr lang="en-US" smtClean="0"/>
-              <a:t>4/14/2025</a:t>
+              <a:t>4/25/2025</a:t>
             </a:fld>
             <a:endParaRPr lang="en-US"/>
           </a:p>
@@ -3931,7 +3930,7 @@
           <a:p>
             <a:fld id="{F18C1BFF-F06D-4EBF-A4BA-555578FDF24E}" type="datetimeFigureOut">
               <a:rPr lang="en-US" smtClean="0"/>
-              <a:t>4/14/2025</a:t>
+              <a:t>4/25/2025</a:t>
             </a:fld>
             <a:endParaRPr lang="en-US"/>
           </a:p>
@@ -4101,7 +4100,7 @@
           <a:p>
             <a:fld id="{F18C1BFF-F06D-4EBF-A4BA-555578FDF24E}" type="datetimeFigureOut">
               <a:rPr lang="en-US" smtClean="0"/>
-              <a:t>4/14/2025</a:t>
+              <a:t>4/25/2025</a:t>
             </a:fld>
             <a:endParaRPr lang="en-US"/>
           </a:p>
@@ -4352,7 +4351,7 @@
           <a:p>
             <a:fld id="{F18C1BFF-F06D-4EBF-A4BA-555578FDF24E}" type="datetimeFigureOut">
               <a:rPr lang="en-US" smtClean="0"/>
-              <a:t>4/14/2025</a:t>
+              <a:t>4/25/2025</a:t>
             </a:fld>
             <a:endParaRPr lang="en-US"/>
           </a:p>
@@ -4649,7 +4648,7 @@
           <a:p>
             <a:fld id="{F18C1BFF-F06D-4EBF-A4BA-555578FDF24E}" type="datetimeFigureOut">
               <a:rPr lang="en-US" smtClean="0"/>
-              <a:t>4/14/2025</a:t>
+              <a:t>4/25/2025</a:t>
             </a:fld>
             <a:endParaRPr lang="en-US"/>
           </a:p>
@@ -5091,7 +5090,7 @@
           <a:p>
             <a:fld id="{F18C1BFF-F06D-4EBF-A4BA-555578FDF24E}" type="datetimeFigureOut">
               <a:rPr lang="en-US" smtClean="0"/>
-              <a:t>4/14/2025</a:t>
+              <a:t>4/25/2025</a:t>
             </a:fld>
             <a:endParaRPr lang="en-US"/>
           </a:p>
@@ -5209,7 +5208,7 @@
           <a:p>
             <a:fld id="{F18C1BFF-F06D-4EBF-A4BA-555578FDF24E}" type="datetimeFigureOut">
               <a:rPr lang="en-US" smtClean="0"/>
-              <a:t>4/14/2025</a:t>
+              <a:t>4/25/2025</a:t>
             </a:fld>
             <a:endParaRPr lang="en-US"/>
           </a:p>
@@ -5304,7 +5303,7 @@
           <a:p>
             <a:fld id="{F18C1BFF-F06D-4EBF-A4BA-555578FDF24E}" type="datetimeFigureOut">
               <a:rPr lang="en-US" smtClean="0"/>
-              <a:t>4/14/2025</a:t>
+              <a:t>4/25/2025</a:t>
             </a:fld>
             <a:endParaRPr lang="en-US"/>
           </a:p>
@@ -5587,7 +5586,7 @@
           <a:p>
             <a:fld id="{F18C1BFF-F06D-4EBF-A4BA-555578FDF24E}" type="datetimeFigureOut">
               <a:rPr lang="en-US" smtClean="0"/>
-              <a:t>4/14/2025</a:t>
+              <a:t>4/25/2025</a:t>
             </a:fld>
             <a:endParaRPr lang="en-US"/>
           </a:p>
@@ -5878,7 +5877,7 @@
           <a:p>
             <a:fld id="{F18C1BFF-F06D-4EBF-A4BA-555578FDF24E}" type="datetimeFigureOut">
               <a:rPr lang="en-US" smtClean="0"/>
-              <a:t>4/14/2025</a:t>
+              <a:t>4/25/2025</a:t>
             </a:fld>
             <a:endParaRPr lang="en-US"/>
           </a:p>
@@ -6408,7 +6407,7 @@
           <a:p>
             <a:fld id="{F18C1BFF-F06D-4EBF-A4BA-555578FDF24E}" type="datetimeFigureOut">
               <a:rPr lang="en-US" smtClean="0"/>
-              <a:t>4/14/2025</a:t>
+              <a:t>4/25/2025</a:t>
             </a:fld>
             <a:endParaRPr lang="en-US"/>
           </a:p>
@@ -7118,13 +7117,13 @@
   <p:clrMapOvr>
     <a:masterClrMapping/>
   </p:clrMapOvr>
-  <mc:AlternateContent xmlns:mc="http://schemas.openxmlformats.org/markup-compatibility/2006">
-    <mc:Choice xmlns:p14="http://schemas.microsoft.com/office/powerpoint/2010/main" Requires="p14">
+  <mc:AlternateContent xmlns:mc="http://schemas.openxmlformats.org/markup-compatibility/2006" xmlns:p14="http://schemas.microsoft.com/office/powerpoint/2010/main">
+    <mc:Choice Requires="p14">
       <p:transition spd="slow" p14:dur="1600">
         <p14:prism isContent="1" isInverted="1"/>
       </p:transition>
     </mc:Choice>
-    <mc:Fallback>
+    <mc:Fallback xmlns="">
       <p:transition spd="slow">
         <p:fade/>
       </p:transition>
@@ -7204,13 +7203,13 @@
   <p:clrMapOvr>
     <a:masterClrMapping/>
   </p:clrMapOvr>
-  <mc:AlternateContent xmlns:mc="http://schemas.openxmlformats.org/markup-compatibility/2006">
-    <mc:Choice xmlns:p14="http://schemas.microsoft.com/office/powerpoint/2010/main" Requires="p14">
+  <mc:AlternateContent xmlns:mc="http://schemas.openxmlformats.org/markup-compatibility/2006" xmlns:p14="http://schemas.microsoft.com/office/powerpoint/2010/main">
+    <mc:Choice Requires="p14">
       <p:transition spd="slow" p14:dur="800">
         <p14:flythrough/>
       </p:transition>
     </mc:Choice>
-    <mc:Fallback>
+    <mc:Fallback xmlns="">
       <p:transition spd="slow">
         <p:fade/>
       </p:transition>
@@ -8069,13 +8068,13 @@
   <p:clrMapOvr>
     <a:masterClrMapping/>
   </p:clrMapOvr>
-  <mc:AlternateContent xmlns:mc="http://schemas.openxmlformats.org/markup-compatibility/2006">
-    <mc:Choice xmlns:p14="http://schemas.microsoft.com/office/powerpoint/2010/main" Requires="p14">
+  <mc:AlternateContent xmlns:mc="http://schemas.openxmlformats.org/markup-compatibility/2006" xmlns:p14="http://schemas.microsoft.com/office/powerpoint/2010/main">
+    <mc:Choice Requires="p14">
       <p:transition spd="slow" p14:dur="1200">
         <p14:prism/>
       </p:transition>
     </mc:Choice>
-    <mc:Fallback>
+    <mc:Fallback xmlns="">
       <p:transition spd="slow">
         <p:fade/>
       </p:transition>
@@ -8085,6 +8084,250 @@
 </file>
 
 <file path=ppt/slides/slide13.xml><?xml version="1.0" encoding="utf-8"?>
+<p:sld xmlns:a="http://schemas.openxmlformats.org/drawingml/2006/main" xmlns:r="http://schemas.openxmlformats.org/officeDocument/2006/relationships" xmlns:p="http://schemas.openxmlformats.org/presentationml/2006/main">
+  <p:cSld>
+    <p:spTree>
+      <p:nvGrpSpPr>
+        <p:cNvPr id="1" name=""/>
+        <p:cNvGrpSpPr/>
+        <p:nvPr/>
+      </p:nvGrpSpPr>
+      <p:grpSpPr>
+        <a:xfrm>
+          <a:off x="0" y="0"/>
+          <a:ext cx="0" cy="0"/>
+          <a:chOff x="0" y="0"/>
+          <a:chExt cx="0" cy="0"/>
+        </a:xfrm>
+      </p:grpSpPr>
+      <p:sp>
+        <p:nvSpPr>
+          <p:cNvPr id="2" name="Title 1">
+            <a:extLst>
+              <a:ext uri="{FF2B5EF4-FFF2-40B4-BE49-F238E27FC236}">
+                <a16:creationId xmlns:a16="http://schemas.microsoft.com/office/drawing/2014/main" id="{DB615E22-74B0-6986-D8F0-8316EDD2BD80}"/>
+              </a:ext>
+            </a:extLst>
+          </p:cNvPr>
+          <p:cNvSpPr>
+            <a:spLocks noGrp="1"/>
+          </p:cNvSpPr>
+          <p:nvPr>
+            <p:ph type="title"/>
+          </p:nvPr>
+        </p:nvSpPr>
+        <p:spPr>
+          <a:xfrm>
+            <a:off x="1373475" y="343286"/>
+            <a:ext cx="10018713" cy="907473"/>
+          </a:xfrm>
+        </p:spPr>
+        <p:txBody>
+          <a:bodyPr/>
+          <a:lstStyle/>
+          <a:p>
+            <a:r>
+              <a:rPr lang="en-US" b="1" dirty="0">
+                <a:solidFill>
+                  <a:srgbClr val="00B0F0"/>
+                </a:solidFill>
+              </a:rPr>
+              <a:t>Front End Technology</a:t>
+            </a:r>
+          </a:p>
+        </p:txBody>
+      </p:sp>
+      <p:pic>
+        <p:nvPicPr>
+          <p:cNvPr id="3" name="Picture 2">
+            <a:extLst>
+              <a:ext uri="{FF2B5EF4-FFF2-40B4-BE49-F238E27FC236}">
+                <a16:creationId xmlns:a16="http://schemas.microsoft.com/office/drawing/2014/main" id="{C857AC66-A020-517D-6C3D-B8EA89D719D4}"/>
+              </a:ext>
+            </a:extLst>
+          </p:cNvPr>
+          <p:cNvPicPr>
+            <a:picLocks noChangeAspect="1"/>
+          </p:cNvPicPr>
+          <p:nvPr/>
+        </p:nvPicPr>
+        <p:blipFill>
+          <a:blip r:embed="rId2"/>
+          <a:stretch>
+            <a:fillRect/>
+          </a:stretch>
+        </p:blipFill>
+        <p:spPr>
+          <a:xfrm>
+            <a:off x="7467600" y="3137463"/>
+            <a:ext cx="4271112" cy="3034737"/>
+          </a:xfrm>
+          <a:prstGeom prst="rect">
+            <a:avLst/>
+          </a:prstGeom>
+        </p:spPr>
+      </p:pic>
+      <p:sp>
+        <p:nvSpPr>
+          <p:cNvPr id="5" name="TextBox 4">
+            <a:extLst>
+              <a:ext uri="{FF2B5EF4-FFF2-40B4-BE49-F238E27FC236}">
+                <a16:creationId xmlns:a16="http://schemas.microsoft.com/office/drawing/2014/main" id="{2A4CF096-441E-DF73-E21E-7DC4C44BBCF0}"/>
+              </a:ext>
+            </a:extLst>
+          </p:cNvPr>
+          <p:cNvSpPr txBox="1"/>
+          <p:nvPr/>
+        </p:nvSpPr>
+        <p:spPr>
+          <a:xfrm>
+            <a:off x="1676399" y="1461593"/>
+            <a:ext cx="6262255" cy="3908762"/>
+          </a:xfrm>
+          <a:prstGeom prst="rect">
+            <a:avLst/>
+          </a:prstGeom>
+          <a:noFill/>
+        </p:spPr>
+        <p:txBody>
+          <a:bodyPr wrap="square" rtlCol="0">
+            <a:spAutoFit/>
+          </a:bodyPr>
+          <a:lstStyle/>
+          <a:p>
+            <a:r>
+              <a:rPr lang="en-US" sz="3000" dirty="0">
+                <a:solidFill>
+                  <a:srgbClr val="0070C0"/>
+                </a:solidFill>
+                <a:latin typeface="Corbel (header)"/>
+              </a:rPr>
+              <a:t>Framework: React Native</a:t>
+            </a:r>
+          </a:p>
+          <a:p>
+            <a:endParaRPr lang="en-US" sz="3000" dirty="0">
+              <a:solidFill>
+                <a:srgbClr val="0070C0"/>
+              </a:solidFill>
+              <a:latin typeface="Corbel (header)"/>
+            </a:endParaRPr>
+          </a:p>
+          <a:p>
+            <a:r>
+              <a:rPr lang="en-US" sz="3000" dirty="0"/>
+              <a:t>Key Advantages:</a:t>
+            </a:r>
+          </a:p>
+          <a:p>
+            <a:pPr marL="285750" indent="-285750">
+              <a:buFont typeface="Arial" panose="020B0604020202020204" pitchFamily="34" charset="0"/>
+              <a:buChar char="•"/>
+            </a:pPr>
+            <a:r>
+              <a:rPr lang="en-US" sz="2000" i="1" dirty="0">
+                <a:effectLst/>
+                <a:ea typeface="Calibri" panose="020F0502020204030204" pitchFamily="34" charset="0"/>
+              </a:rPr>
+              <a:t>Cross-Platform Compatibility</a:t>
+            </a:r>
+          </a:p>
+          <a:p>
+            <a:pPr marL="285750" indent="-285750">
+              <a:buFont typeface="Arial" panose="020B0604020202020204" pitchFamily="34" charset="0"/>
+              <a:buChar char="•"/>
+            </a:pPr>
+            <a:endParaRPr lang="en-US" sz="2000" i="1" dirty="0">
+              <a:ea typeface="Calibri" panose="020F0502020204030204" pitchFamily="34" charset="0"/>
+            </a:endParaRPr>
+          </a:p>
+          <a:p>
+            <a:pPr marL="285750" indent="-285750">
+              <a:buFont typeface="Arial" panose="020B0604020202020204" pitchFamily="34" charset="0"/>
+              <a:buChar char="•"/>
+            </a:pPr>
+            <a:endParaRPr lang="en-US" sz="2000" i="1" dirty="0">
+              <a:effectLst/>
+              <a:ea typeface="Calibri" panose="020F0502020204030204" pitchFamily="34" charset="0"/>
+            </a:endParaRPr>
+          </a:p>
+          <a:p>
+            <a:pPr marL="285750" indent="-285750">
+              <a:buFont typeface="Arial" panose="020B0604020202020204" pitchFamily="34" charset="0"/>
+              <a:buChar char="•"/>
+            </a:pPr>
+            <a:r>
+              <a:rPr lang="en-US" sz="2000" i="1" kern="100" dirty="0">
+                <a:effectLst/>
+                <a:ea typeface="Times New Roman" panose="02020603050405020304" pitchFamily="18" charset="0"/>
+                <a:cs typeface="Times New Roman" panose="02020603050405020304" pitchFamily="18" charset="0"/>
+              </a:rPr>
+              <a:t>Native Performance for Critical Features</a:t>
+            </a:r>
+          </a:p>
+          <a:p>
+            <a:pPr marL="285750" indent="-285750">
+              <a:buFont typeface="Arial" panose="020B0604020202020204" pitchFamily="34" charset="0"/>
+              <a:buChar char="•"/>
+            </a:pPr>
+            <a:endParaRPr lang="en-US" sz="2000" i="1" kern="100" dirty="0">
+              <a:ea typeface="Times New Roman" panose="02020603050405020304" pitchFamily="18" charset="0"/>
+              <a:cs typeface="Times New Roman" panose="02020603050405020304" pitchFamily="18" charset="0"/>
+            </a:endParaRPr>
+          </a:p>
+          <a:p>
+            <a:pPr marL="285750" indent="-285750">
+              <a:buFont typeface="Arial" panose="020B0604020202020204" pitchFamily="34" charset="0"/>
+              <a:buChar char="•"/>
+            </a:pPr>
+            <a:endParaRPr lang="en-US" sz="2000" i="1" kern="100" dirty="0">
+              <a:effectLst/>
+              <a:ea typeface="Times New Roman" panose="02020603050405020304" pitchFamily="18" charset="0"/>
+              <a:cs typeface="Times New Roman" panose="02020603050405020304" pitchFamily="18" charset="0"/>
+            </a:endParaRPr>
+          </a:p>
+          <a:p>
+            <a:pPr marL="285750" indent="-285750">
+              <a:buFont typeface="Arial" panose="020B0604020202020204" pitchFamily="34" charset="0"/>
+              <a:buChar char="•"/>
+            </a:pPr>
+            <a:r>
+              <a:rPr lang="en-US" sz="2000" i="1" kern="100" dirty="0">
+                <a:effectLst/>
+                <a:ea typeface="Times New Roman" panose="02020603050405020304" pitchFamily="18" charset="0"/>
+                <a:cs typeface="Times New Roman" panose="02020603050405020304" pitchFamily="18" charset="0"/>
+              </a:rPr>
+              <a:t>Strong Ecosystem for Required Features</a:t>
+            </a:r>
+          </a:p>
+          <a:p>
+            <a:pPr marL="285750" indent="-285750">
+              <a:buFont typeface="Arial" panose="020B0604020202020204" pitchFamily="34" charset="0"/>
+              <a:buChar char="•"/>
+            </a:pPr>
+            <a:endParaRPr lang="en-US" dirty="0">
+              <a:latin typeface="Times New Roman" panose="02020603050405020304" pitchFamily="18" charset="0"/>
+            </a:endParaRPr>
+          </a:p>
+        </p:txBody>
+      </p:sp>
+    </p:spTree>
+    <p:extLst>
+      <p:ext uri="{BB962C8B-B14F-4D97-AF65-F5344CB8AC3E}">
+        <p14:creationId xmlns:p14="http://schemas.microsoft.com/office/powerpoint/2010/main" val="3134415092"/>
+      </p:ext>
+    </p:extLst>
+  </p:cSld>
+  <p:clrMapOvr>
+    <a:masterClrMapping/>
+  </p:clrMapOvr>
+  <p:transition spd="slow">
+    <p:wheel spokes="1"/>
+  </p:transition>
+</p:sld>
+</file>
+
+<file path=ppt/slides/slide14.xml><?xml version="1.0" encoding="utf-8"?>
 <p:sld xmlns:a="http://schemas.openxmlformats.org/drawingml/2006/main" xmlns:r="http://schemas.openxmlformats.org/officeDocument/2006/relationships" xmlns:p="http://schemas.openxmlformats.org/presentationml/2006/main">
   <p:cSld>
     <p:spTree>
@@ -8675,250 +8918,6 @@
 </p:sld>
 </file>
 
-<file path=ppt/slides/slide14.xml><?xml version="1.0" encoding="utf-8"?>
-<p:sld xmlns:a="http://schemas.openxmlformats.org/drawingml/2006/main" xmlns:r="http://schemas.openxmlformats.org/officeDocument/2006/relationships" xmlns:p="http://schemas.openxmlformats.org/presentationml/2006/main">
-  <p:cSld>
-    <p:spTree>
-      <p:nvGrpSpPr>
-        <p:cNvPr id="1" name=""/>
-        <p:cNvGrpSpPr/>
-        <p:nvPr/>
-      </p:nvGrpSpPr>
-      <p:grpSpPr>
-        <a:xfrm>
-          <a:off x="0" y="0"/>
-          <a:ext cx="0" cy="0"/>
-          <a:chOff x="0" y="0"/>
-          <a:chExt cx="0" cy="0"/>
-        </a:xfrm>
-      </p:grpSpPr>
-      <p:sp>
-        <p:nvSpPr>
-          <p:cNvPr id="2" name="Title 1">
-            <a:extLst>
-              <a:ext uri="{FF2B5EF4-FFF2-40B4-BE49-F238E27FC236}">
-                <a16:creationId xmlns:a16="http://schemas.microsoft.com/office/drawing/2014/main" id="{DB615E22-74B0-6986-D8F0-8316EDD2BD80}"/>
-              </a:ext>
-            </a:extLst>
-          </p:cNvPr>
-          <p:cNvSpPr>
-            <a:spLocks noGrp="1"/>
-          </p:cNvSpPr>
-          <p:nvPr>
-            <p:ph type="title"/>
-          </p:nvPr>
-        </p:nvSpPr>
-        <p:spPr>
-          <a:xfrm>
-            <a:off x="1373475" y="343286"/>
-            <a:ext cx="10018713" cy="907473"/>
-          </a:xfrm>
-        </p:spPr>
-        <p:txBody>
-          <a:bodyPr/>
-          <a:lstStyle/>
-          <a:p>
-            <a:r>
-              <a:rPr lang="en-US" b="1" dirty="0">
-                <a:solidFill>
-                  <a:srgbClr val="00B0F0"/>
-                </a:solidFill>
-              </a:rPr>
-              <a:t>Front End Technology</a:t>
-            </a:r>
-          </a:p>
-        </p:txBody>
-      </p:sp>
-      <p:pic>
-        <p:nvPicPr>
-          <p:cNvPr id="3" name="Picture 2">
-            <a:extLst>
-              <a:ext uri="{FF2B5EF4-FFF2-40B4-BE49-F238E27FC236}">
-                <a16:creationId xmlns:a16="http://schemas.microsoft.com/office/drawing/2014/main" id="{C857AC66-A020-517D-6C3D-B8EA89D719D4}"/>
-              </a:ext>
-            </a:extLst>
-          </p:cNvPr>
-          <p:cNvPicPr>
-            <a:picLocks noChangeAspect="1"/>
-          </p:cNvPicPr>
-          <p:nvPr/>
-        </p:nvPicPr>
-        <p:blipFill>
-          <a:blip r:embed="rId2"/>
-          <a:stretch>
-            <a:fillRect/>
-          </a:stretch>
-        </p:blipFill>
-        <p:spPr>
-          <a:xfrm>
-            <a:off x="7467600" y="3137463"/>
-            <a:ext cx="4271112" cy="3034737"/>
-          </a:xfrm>
-          <a:prstGeom prst="rect">
-            <a:avLst/>
-          </a:prstGeom>
-        </p:spPr>
-      </p:pic>
-      <p:sp>
-        <p:nvSpPr>
-          <p:cNvPr id="5" name="TextBox 4">
-            <a:extLst>
-              <a:ext uri="{FF2B5EF4-FFF2-40B4-BE49-F238E27FC236}">
-                <a16:creationId xmlns:a16="http://schemas.microsoft.com/office/drawing/2014/main" id="{2A4CF096-441E-DF73-E21E-7DC4C44BBCF0}"/>
-              </a:ext>
-            </a:extLst>
-          </p:cNvPr>
-          <p:cNvSpPr txBox="1"/>
-          <p:nvPr/>
-        </p:nvSpPr>
-        <p:spPr>
-          <a:xfrm>
-            <a:off x="1676399" y="1461593"/>
-            <a:ext cx="6262255" cy="3908762"/>
-          </a:xfrm>
-          <a:prstGeom prst="rect">
-            <a:avLst/>
-          </a:prstGeom>
-          <a:noFill/>
-        </p:spPr>
-        <p:txBody>
-          <a:bodyPr wrap="square" rtlCol="0">
-            <a:spAutoFit/>
-          </a:bodyPr>
-          <a:lstStyle/>
-          <a:p>
-            <a:r>
-              <a:rPr lang="en-US" sz="3000" dirty="0">
-                <a:solidFill>
-                  <a:srgbClr val="0070C0"/>
-                </a:solidFill>
-                <a:latin typeface="Corbel (header)"/>
-              </a:rPr>
-              <a:t>Framework: React Native</a:t>
-            </a:r>
-          </a:p>
-          <a:p>
-            <a:endParaRPr lang="en-US" sz="3000" dirty="0">
-              <a:solidFill>
-                <a:srgbClr val="0070C0"/>
-              </a:solidFill>
-              <a:latin typeface="Corbel (header)"/>
-            </a:endParaRPr>
-          </a:p>
-          <a:p>
-            <a:r>
-              <a:rPr lang="en-US" sz="3000" dirty="0"/>
-              <a:t>Key Advantages:</a:t>
-            </a:r>
-          </a:p>
-          <a:p>
-            <a:pPr marL="285750" indent="-285750">
-              <a:buFont typeface="Arial" panose="020B0604020202020204" pitchFamily="34" charset="0"/>
-              <a:buChar char="•"/>
-            </a:pPr>
-            <a:r>
-              <a:rPr lang="en-US" sz="2000" i="1" dirty="0">
-                <a:effectLst/>
-                <a:ea typeface="Calibri" panose="020F0502020204030204" pitchFamily="34" charset="0"/>
-              </a:rPr>
-              <a:t>Cross-Platform Compatibility</a:t>
-            </a:r>
-          </a:p>
-          <a:p>
-            <a:pPr marL="285750" indent="-285750">
-              <a:buFont typeface="Arial" panose="020B0604020202020204" pitchFamily="34" charset="0"/>
-              <a:buChar char="•"/>
-            </a:pPr>
-            <a:endParaRPr lang="en-US" sz="2000" i="1" dirty="0">
-              <a:ea typeface="Calibri" panose="020F0502020204030204" pitchFamily="34" charset="0"/>
-            </a:endParaRPr>
-          </a:p>
-          <a:p>
-            <a:pPr marL="285750" indent="-285750">
-              <a:buFont typeface="Arial" panose="020B0604020202020204" pitchFamily="34" charset="0"/>
-              <a:buChar char="•"/>
-            </a:pPr>
-            <a:endParaRPr lang="en-US" sz="2000" i="1" dirty="0">
-              <a:effectLst/>
-              <a:ea typeface="Calibri" panose="020F0502020204030204" pitchFamily="34" charset="0"/>
-            </a:endParaRPr>
-          </a:p>
-          <a:p>
-            <a:pPr marL="285750" indent="-285750">
-              <a:buFont typeface="Arial" panose="020B0604020202020204" pitchFamily="34" charset="0"/>
-              <a:buChar char="•"/>
-            </a:pPr>
-            <a:r>
-              <a:rPr lang="en-US" sz="2000" i="1" kern="100" dirty="0">
-                <a:effectLst/>
-                <a:ea typeface="Times New Roman" panose="02020603050405020304" pitchFamily="18" charset="0"/>
-                <a:cs typeface="Times New Roman" panose="02020603050405020304" pitchFamily="18" charset="0"/>
-              </a:rPr>
-              <a:t>Native Performance for Critical Features</a:t>
-            </a:r>
-          </a:p>
-          <a:p>
-            <a:pPr marL="285750" indent="-285750">
-              <a:buFont typeface="Arial" panose="020B0604020202020204" pitchFamily="34" charset="0"/>
-              <a:buChar char="•"/>
-            </a:pPr>
-            <a:endParaRPr lang="en-US" sz="2000" i="1" kern="100" dirty="0">
-              <a:ea typeface="Times New Roman" panose="02020603050405020304" pitchFamily="18" charset="0"/>
-              <a:cs typeface="Times New Roman" panose="02020603050405020304" pitchFamily="18" charset="0"/>
-            </a:endParaRPr>
-          </a:p>
-          <a:p>
-            <a:pPr marL="285750" indent="-285750">
-              <a:buFont typeface="Arial" panose="020B0604020202020204" pitchFamily="34" charset="0"/>
-              <a:buChar char="•"/>
-            </a:pPr>
-            <a:endParaRPr lang="en-US" sz="2000" i="1" kern="100" dirty="0">
-              <a:effectLst/>
-              <a:ea typeface="Times New Roman" panose="02020603050405020304" pitchFamily="18" charset="0"/>
-              <a:cs typeface="Times New Roman" panose="02020603050405020304" pitchFamily="18" charset="0"/>
-            </a:endParaRPr>
-          </a:p>
-          <a:p>
-            <a:pPr marL="285750" indent="-285750">
-              <a:buFont typeface="Arial" panose="020B0604020202020204" pitchFamily="34" charset="0"/>
-              <a:buChar char="•"/>
-            </a:pPr>
-            <a:r>
-              <a:rPr lang="en-US" sz="2000" i="1" kern="100" dirty="0">
-                <a:effectLst/>
-                <a:ea typeface="Times New Roman" panose="02020603050405020304" pitchFamily="18" charset="0"/>
-                <a:cs typeface="Times New Roman" panose="02020603050405020304" pitchFamily="18" charset="0"/>
-              </a:rPr>
-              <a:t>Strong Ecosystem for Required Features</a:t>
-            </a:r>
-          </a:p>
-          <a:p>
-            <a:pPr marL="285750" indent="-285750">
-              <a:buFont typeface="Arial" panose="020B0604020202020204" pitchFamily="34" charset="0"/>
-              <a:buChar char="•"/>
-            </a:pPr>
-            <a:endParaRPr lang="en-US" dirty="0">
-              <a:latin typeface="Times New Roman" panose="02020603050405020304" pitchFamily="18" charset="0"/>
-            </a:endParaRPr>
-          </a:p>
-        </p:txBody>
-      </p:sp>
-    </p:spTree>
-    <p:extLst>
-      <p:ext uri="{BB962C8B-B14F-4D97-AF65-F5344CB8AC3E}">
-        <p14:creationId xmlns:p14="http://schemas.microsoft.com/office/powerpoint/2010/main" val="3134415092"/>
-      </p:ext>
-    </p:extLst>
-  </p:cSld>
-  <p:clrMapOvr>
-    <a:masterClrMapping/>
-  </p:clrMapOvr>
-  <p:transition spd="slow">
-    <p:wheel spokes="1"/>
-  </p:transition>
-</p:sld>
-</file>
-
 <file path=ppt/slides/slide15.xml><?xml version="1.0" encoding="utf-8"?>
 <p:sld xmlns:a="http://schemas.openxmlformats.org/drawingml/2006/main" xmlns:r="http://schemas.openxmlformats.org/officeDocument/2006/relationships" xmlns:p="http://schemas.openxmlformats.org/presentationml/2006/main">
   <p:cSld>
@@ -8983,13 +8982,13 @@
   <p:clrMapOvr>
     <a:masterClrMapping/>
   </p:clrMapOvr>
-  <mc:AlternateContent xmlns:mc="http://schemas.openxmlformats.org/markup-compatibility/2006">
-    <mc:Choice xmlns:p15="http://schemas.microsoft.com/office/powerpoint/2012/main" Requires="p15">
+  <mc:AlternateContent xmlns:mc="http://schemas.openxmlformats.org/markup-compatibility/2006" xmlns:p15="http://schemas.microsoft.com/office/powerpoint/2012/main">
+    <mc:Choice Requires="p15">
       <p:transition xmlns:p14="http://schemas.microsoft.com/office/powerpoint/2010/main" spd="slow" p14:dur="2000">
         <p15:prstTrans prst="prestige"/>
       </p:transition>
     </mc:Choice>
-    <mc:Fallback>
+    <mc:Fallback xmlns="">
       <p:transition spd="slow">
         <p:fade/>
       </p:transition>
@@ -9223,7 +9222,7 @@
           <p:cNvPr id="2" name="Title 1">
             <a:extLst>
               <a:ext uri="{FF2B5EF4-FFF2-40B4-BE49-F238E27FC236}">
-                <a16:creationId xmlns:a16="http://schemas.microsoft.com/office/drawing/2014/main" id="{4E02F60A-0627-4A92-9907-3E220BE201FC}"/>
+                <a16:creationId xmlns:a16="http://schemas.microsoft.com/office/drawing/2014/main" id="{44B5CBFF-8AB2-C0FA-E520-0DAEC4158FBF}"/>
               </a:ext>
             </a:extLst>
           </p:cNvPr>
@@ -9234,98 +9233,124 @@
             <p:ph type="title"/>
           </p:nvPr>
         </p:nvSpPr>
-        <p:spPr>
-          <a:xfrm>
-            <a:off x="1484311" y="685801"/>
-            <a:ext cx="10018713" cy="739588"/>
-          </a:xfrm>
-        </p:spPr>
+        <p:spPr/>
         <p:txBody>
           <a:bodyPr/>
           <a:lstStyle/>
           <a:p>
             <a:r>
               <a:rPr lang="en-US" b="1" dirty="0">
-                <a:ln w="0"/>
-                <a:solidFill>
-                  <a:schemeClr val="accent1"/>
-                </a:solidFill>
-                <a:effectLst>
-                  <a:outerShdw blurRad="38100" dist="25400" dir="5400000" algn="ctr" rotWithShape="0">
-                    <a:srgbClr val="6E747A">
-                      <a:alpha val="43000"/>
-                    </a:srgbClr>
-                  </a:outerShdw>
-                </a:effectLst>
+                <a:solidFill>
+                  <a:srgbClr val="00B0F0"/>
+                </a:solidFill>
               </a:rPr>
-              <a:t>Security &amp; Privacy Measures </a:t>
-            </a:r>
-          </a:p>
-        </p:txBody>
-      </p:sp>
-      <p:sp>
-        <p:nvSpPr>
-          <p:cNvPr id="3" name="Content Placeholder 2">
+              <a:t>Risks Assessment</a:t>
+            </a:r>
+          </a:p>
+        </p:txBody>
+      </p:sp>
+      <p:sp>
+        <p:nvSpPr>
+          <p:cNvPr id="5" name="TextBox 4">
             <a:extLst>
               <a:ext uri="{FF2B5EF4-FFF2-40B4-BE49-F238E27FC236}">
-                <a16:creationId xmlns:a16="http://schemas.microsoft.com/office/drawing/2014/main" id="{00C9F60C-29B3-4D1D-9630-7D338C733349}"/>
+                <a16:creationId xmlns:a16="http://schemas.microsoft.com/office/drawing/2014/main" id="{947D24A3-6344-7664-844D-0EF3F9BDB79F}"/>
               </a:ext>
             </a:extLst>
           </p:cNvPr>
-          <p:cNvSpPr>
-            <a:spLocks noGrp="1"/>
-          </p:cNvSpPr>
-          <p:nvPr>
-            <p:ph sz="half" idx="1"/>
-          </p:nvPr>
+          <p:cNvSpPr txBox="1"/>
+          <p:nvPr/>
         </p:nvSpPr>
         <p:spPr>
           <a:xfrm>
-            <a:off x="1556030" y="1866899"/>
-            <a:ext cx="6664606" cy="3124201"/>
+            <a:off x="2660072" y="2161400"/>
+            <a:ext cx="2867891" cy="1323439"/>
           </a:xfrm>
+          <a:prstGeom prst="rect">
+            <a:avLst/>
+          </a:prstGeom>
+          <a:noFill/>
         </p:spPr>
         <p:txBody>
-          <a:bodyPr/>
+          <a:bodyPr wrap="square" rtlCol="0">
+            <a:spAutoFit/>
+          </a:bodyPr>
           <a:lstStyle/>
           <a:p>
             <a:r>
-              <a:rPr lang="en-US" b="1" dirty="0"/>
-              <a:t>Biometric Data: </a:t>
-            </a:r>
-            <a:r>
-              <a:rPr lang="en-US" dirty="0"/>
-              <a:t>Multi-Factor On-device processing + encryption.  </a:t>
-            </a:r>
-          </a:p>
-          <a:p>
-            <a:r>
-              <a:rPr lang="en-US" b="1" dirty="0"/>
-              <a:t>Consent: </a:t>
-            </a:r>
-            <a:r>
-              <a:rPr lang="en-US" dirty="0"/>
-              <a:t>Clear opt-in process.  </a:t>
-            </a:r>
-          </a:p>
-          <a:p>
-            <a:r>
-              <a:rPr lang="en-US" b="1" dirty="0"/>
-              <a:t>Access Control: </a:t>
-            </a:r>
-            <a:r>
-              <a:rPr lang="en-US" dirty="0"/>
-              <a:t>Role-based permissions (students, lecturers, admins).  </a:t>
-            </a:r>
-          </a:p>
-          <a:p>
-            <a:r>
-              <a:rPr lang="en-US" b="1" dirty="0"/>
-              <a:t>Audit Logs: </a:t>
-            </a:r>
-            <a:r>
-              <a:rPr lang="en-US" dirty="0"/>
-              <a:t>Track all system activities</a:t>
+              <a:rPr lang="en-US" sz="3000" dirty="0">
+                <a:solidFill>
+                  <a:srgbClr val="0070C0"/>
+                </a:solidFill>
+              </a:rPr>
+              <a:t>Risks</a:t>
+            </a:r>
+          </a:p>
+          <a:p>
+            <a:pPr marL="457200" indent="-457200">
+              <a:buFont typeface="Arial" panose="020B0604020202020204" pitchFamily="34" charset="0"/>
+              <a:buChar char="•"/>
+            </a:pPr>
+            <a:r>
+              <a:rPr lang="en-US" sz="2500" dirty="0">
+                <a:solidFill>
+                  <a:schemeClr val="tx2"/>
+                </a:solidFill>
+              </a:rPr>
+              <a:t>Students</a:t>
+            </a:r>
+          </a:p>
+          <a:p>
+            <a:pPr marL="457200" indent="-457200">
+              <a:buFont typeface="Arial" panose="020B0604020202020204" pitchFamily="34" charset="0"/>
+              <a:buChar char="•"/>
+            </a:pPr>
+            <a:r>
+              <a:rPr lang="en-US" sz="2500" dirty="0">
+                <a:solidFill>
+                  <a:schemeClr val="tx2"/>
+                </a:solidFill>
+              </a:rPr>
+              <a:t>Lecturers </a:t>
+            </a:r>
+          </a:p>
+        </p:txBody>
+      </p:sp>
+      <p:sp>
+        <p:nvSpPr>
+          <p:cNvPr id="6" name="TextBox 5">
+            <a:extLst>
+              <a:ext uri="{FF2B5EF4-FFF2-40B4-BE49-F238E27FC236}">
+                <a16:creationId xmlns:a16="http://schemas.microsoft.com/office/drawing/2014/main" id="{8EEF5A13-3E33-A3D0-4CFE-C0D86EC7493F}"/>
+              </a:ext>
+            </a:extLst>
+          </p:cNvPr>
+          <p:cNvSpPr txBox="1"/>
+          <p:nvPr/>
+        </p:nvSpPr>
+        <p:spPr>
+          <a:xfrm>
+            <a:off x="2660072" y="3637000"/>
+            <a:ext cx="1992853" cy="553998"/>
+          </a:xfrm>
+          <a:prstGeom prst="rect">
+            <a:avLst/>
+          </a:prstGeom>
+          <a:noFill/>
+        </p:spPr>
+        <p:txBody>
+          <a:bodyPr wrap="none" rtlCol="0">
+            <a:spAutoFit/>
+          </a:bodyPr>
+          <a:lstStyle/>
+          <a:p>
+            <a:r>
+              <a:rPr lang="en-US" sz="3000" dirty="0">
+                <a:solidFill>
+                  <a:srgbClr val="0070C0"/>
+                </a:solidFill>
+              </a:rPr>
+              <a:t>Mitigations</a:t>
             </a:r>
           </a:p>
         </p:txBody>
@@ -9333,16 +9358,25 @@
     </p:spTree>
     <p:extLst>
       <p:ext uri="{BB962C8B-B14F-4D97-AF65-F5344CB8AC3E}">
-        <p14:creationId xmlns:p14="http://schemas.microsoft.com/office/powerpoint/2010/main" val="2122975217"/>
+        <p14:creationId xmlns:p14="http://schemas.microsoft.com/office/powerpoint/2010/main" val="151875352"/>
       </p:ext>
     </p:extLst>
   </p:cSld>
   <p:clrMapOvr>
     <a:masterClrMapping/>
   </p:clrMapOvr>
-  <p:transition spd="slow">
-    <p:wheel spokes="1"/>
-  </p:transition>
+  <mc:AlternateContent xmlns:mc="http://schemas.openxmlformats.org/markup-compatibility/2006" xmlns:p15="http://schemas.microsoft.com/office/powerpoint/2012/main">
+    <mc:Choice Requires="p15">
+      <p:transition xmlns:p14="http://schemas.microsoft.com/office/powerpoint/2010/main" spd="slow" p14:dur="1250">
+        <p15:prstTrans prst="peelOff"/>
+      </p:transition>
+    </mc:Choice>
+    <mc:Fallback xmlns="">
+      <p:transition spd="slow">
+        <p:fade/>
+      </p:transition>
+    </mc:Fallback>
+  </mc:AlternateContent>
 </p:sld>
 </file>
 
@@ -9368,7 +9402,7 @@
           <p:cNvPr id="2" name="Title 1">
             <a:extLst>
               <a:ext uri="{FF2B5EF4-FFF2-40B4-BE49-F238E27FC236}">
-                <a16:creationId xmlns:a16="http://schemas.microsoft.com/office/drawing/2014/main" id="{44B5CBFF-8AB2-C0FA-E520-0DAEC4158FBF}"/>
+                <a16:creationId xmlns:a16="http://schemas.microsoft.com/office/drawing/2014/main" id="{856A32D0-B1E2-44BA-971F-88E920A78F6E}"/>
               </a:ext>
             </a:extLst>
           </p:cNvPr>
@@ -9379,124 +9413,74 @@
             <p:ph type="title"/>
           </p:nvPr>
         </p:nvSpPr>
-        <p:spPr/>
-        <p:txBody>
-          <a:bodyPr/>
+        <p:spPr>
+          <a:xfrm>
+            <a:off x="1484311" y="685800"/>
+            <a:ext cx="10018713" cy="1510553"/>
+          </a:xfrm>
+        </p:spPr>
+        <p:txBody>
+          <a:bodyPr>
+            <a:noAutofit/>
+          </a:bodyPr>
           <a:lstStyle/>
           <a:p>
             <a:r>
-              <a:rPr lang="en-US" b="1" dirty="0">
-                <a:solidFill>
-                  <a:srgbClr val="00B0F0"/>
-                </a:solidFill>
+              <a:rPr lang="en-US" sz="6000" b="1" dirty="0">
+                <a:ln w="0"/>
+                <a:solidFill>
+                  <a:schemeClr val="accent1"/>
+                </a:solidFill>
+                <a:effectLst>
+                  <a:outerShdw blurRad="38100" dist="25400" dir="5400000" algn="ctr" rotWithShape="0">
+                    <a:srgbClr val="6E747A">
+                      <a:alpha val="43000"/>
+                    </a:srgbClr>
+                  </a:outerShdw>
+                </a:effectLst>
               </a:rPr>
-              <a:t>Risks Assessment</a:t>
-            </a:r>
-          </a:p>
-        </p:txBody>
-      </p:sp>
-      <p:sp>
-        <p:nvSpPr>
-          <p:cNvPr id="5" name="TextBox 4">
+              <a:t>Conclusion </a:t>
+            </a:r>
+          </a:p>
+        </p:txBody>
+      </p:sp>
+      <p:sp>
+        <p:nvSpPr>
+          <p:cNvPr id="4" name="Content Placeholder 3">
             <a:extLst>
               <a:ext uri="{FF2B5EF4-FFF2-40B4-BE49-F238E27FC236}">
-                <a16:creationId xmlns:a16="http://schemas.microsoft.com/office/drawing/2014/main" id="{947D24A3-6344-7664-844D-0EF3F9BDB79F}"/>
+                <a16:creationId xmlns:a16="http://schemas.microsoft.com/office/drawing/2014/main" id="{55DC98AF-76CB-4111-BC67-4A9859983F88}"/>
               </a:ext>
             </a:extLst>
           </p:cNvPr>
-          <p:cNvSpPr txBox="1"/>
-          <p:nvPr/>
+          <p:cNvSpPr>
+            <a:spLocks noGrp="1"/>
+          </p:cNvSpPr>
+          <p:nvPr>
+            <p:ph sz="half" idx="2"/>
+          </p:nvPr>
         </p:nvSpPr>
         <p:spPr>
           <a:xfrm>
-            <a:off x="2660072" y="2161400"/>
-            <a:ext cx="2867891" cy="1323439"/>
+            <a:off x="2080789" y="2277035"/>
+            <a:ext cx="7735564" cy="3124200"/>
           </a:xfrm>
-          <a:prstGeom prst="rect">
-            <a:avLst/>
-          </a:prstGeom>
-          <a:noFill/>
         </p:spPr>
         <p:txBody>
-          <a:bodyPr wrap="square" rtlCol="0">
-            <a:spAutoFit/>
+          <a:bodyPr>
+            <a:normAutofit/>
           </a:bodyPr>
           <a:lstStyle/>
           <a:p>
             <a:r>
-              <a:rPr lang="en-US" sz="3000" dirty="0">
-                <a:solidFill>
-                  <a:srgbClr val="0070C0"/>
-                </a:solidFill>
-              </a:rPr>
-              <a:t>Risks</a:t>
-            </a:r>
-          </a:p>
-          <a:p>
-            <a:pPr marL="457200" indent="-457200">
-              <a:buFont typeface="Arial" panose="020B0604020202020204" pitchFamily="34" charset="0"/>
-              <a:buChar char="•"/>
-            </a:pPr>
-            <a:r>
-              <a:rPr lang="en-US" sz="2500" dirty="0">
-                <a:solidFill>
-                  <a:schemeClr val="tx2"/>
-                </a:solidFill>
-              </a:rPr>
-              <a:t>Students</a:t>
-            </a:r>
-          </a:p>
-          <a:p>
-            <a:pPr marL="457200" indent="-457200">
-              <a:buFont typeface="Arial" panose="020B0604020202020204" pitchFamily="34" charset="0"/>
-              <a:buChar char="•"/>
-            </a:pPr>
-            <a:r>
-              <a:rPr lang="en-US" sz="2500" dirty="0">
-                <a:solidFill>
-                  <a:schemeClr val="tx2"/>
-                </a:solidFill>
-              </a:rPr>
-              <a:t>Lecturers </a:t>
-            </a:r>
-          </a:p>
-        </p:txBody>
-      </p:sp>
-      <p:sp>
-        <p:nvSpPr>
-          <p:cNvPr id="6" name="TextBox 5">
-            <a:extLst>
-              <a:ext uri="{FF2B5EF4-FFF2-40B4-BE49-F238E27FC236}">
-                <a16:creationId xmlns:a16="http://schemas.microsoft.com/office/drawing/2014/main" id="{8EEF5A13-3E33-A3D0-4CFE-C0D86EC7493F}"/>
-              </a:ext>
-            </a:extLst>
-          </p:cNvPr>
-          <p:cNvSpPr txBox="1"/>
-          <p:nvPr/>
-        </p:nvSpPr>
-        <p:spPr>
-          <a:xfrm>
-            <a:off x="2660072" y="3637000"/>
-            <a:ext cx="1992853" cy="553998"/>
-          </a:xfrm>
-          <a:prstGeom prst="rect">
-            <a:avLst/>
-          </a:prstGeom>
-          <a:noFill/>
-        </p:spPr>
-        <p:txBody>
-          <a:bodyPr wrap="none" rtlCol="0">
-            <a:spAutoFit/>
-          </a:bodyPr>
-          <a:lstStyle/>
-          <a:p>
-            <a:r>
-              <a:rPr lang="en-US" sz="3000" dirty="0">
-                <a:solidFill>
-                  <a:srgbClr val="0070C0"/>
-                </a:solidFill>
-              </a:rPr>
-              <a:t>Mitigations</a:t>
+              <a:rPr lang="en-US" sz="2800" dirty="0"/>
+              <a:t>Solves manual attendance flaws with automation.  </a:t>
+            </a:r>
+          </a:p>
+          <a:p>
+            <a:r>
+              <a:rPr lang="en-US" sz="2800" dirty="0"/>
+              <a:t>Next Step: SRS documentation .  </a:t>
             </a:r>
           </a:p>
         </p:txBody>
@@ -9504,25 +9488,16 @@
     </p:spTree>
     <p:extLst>
       <p:ext uri="{BB962C8B-B14F-4D97-AF65-F5344CB8AC3E}">
-        <p14:creationId xmlns:p14="http://schemas.microsoft.com/office/powerpoint/2010/main" val="151875352"/>
+        <p14:creationId xmlns:p14="http://schemas.microsoft.com/office/powerpoint/2010/main" val="267705958"/>
       </p:ext>
     </p:extLst>
   </p:cSld>
   <p:clrMapOvr>
     <a:masterClrMapping/>
   </p:clrMapOvr>
-  <mc:AlternateContent xmlns:mc="http://schemas.openxmlformats.org/markup-compatibility/2006">
-    <mc:Choice xmlns:p15="http://schemas.microsoft.com/office/powerpoint/2012/main" Requires="p15">
-      <p:transition xmlns:p14="http://schemas.microsoft.com/office/powerpoint/2010/main" spd="slow" p14:dur="1250">
-        <p15:prstTrans prst="peelOff"/>
-      </p:transition>
-    </mc:Choice>
-    <mc:Fallback>
-      <p:transition spd="slow">
-        <p:fade/>
-      </p:transition>
-    </mc:Fallback>
-  </mc:AlternateContent>
+  <p:transition spd="slow">
+    <p:wheel spokes="1"/>
+  </p:transition>
 </p:sld>
 </file>
 
@@ -9548,7 +9523,7 @@
           <p:cNvPr id="2" name="Title 1">
             <a:extLst>
               <a:ext uri="{FF2B5EF4-FFF2-40B4-BE49-F238E27FC236}">
-                <a16:creationId xmlns:a16="http://schemas.microsoft.com/office/drawing/2014/main" id="{856A32D0-B1E2-44BA-971F-88E920A78F6E}"/>
+                <a16:creationId xmlns:a16="http://schemas.microsoft.com/office/drawing/2014/main" id="{F704B81D-0CEA-532E-2441-3E0BEE5EBB90}"/>
               </a:ext>
             </a:extLst>
           </p:cNvPr>
@@ -9561,55 +9536,8 @@
         </p:nvSpPr>
         <p:spPr>
           <a:xfrm>
-            <a:off x="1484311" y="685800"/>
-            <a:ext cx="10018713" cy="1510553"/>
-          </a:xfrm>
-        </p:spPr>
-        <p:txBody>
-          <a:bodyPr>
-            <a:noAutofit/>
-          </a:bodyPr>
-          <a:lstStyle/>
-          <a:p>
-            <a:r>
-              <a:rPr lang="en-US" sz="6000" b="1" dirty="0">
-                <a:ln w="0"/>
-                <a:solidFill>
-                  <a:schemeClr val="accent1"/>
-                </a:solidFill>
-                <a:effectLst>
-                  <a:outerShdw blurRad="38100" dist="25400" dir="5400000" algn="ctr" rotWithShape="0">
-                    <a:srgbClr val="6E747A">
-                      <a:alpha val="43000"/>
-                    </a:srgbClr>
-                  </a:outerShdw>
-                </a:effectLst>
-              </a:rPr>
-              <a:t>Conclusion </a:t>
-            </a:r>
-          </a:p>
-        </p:txBody>
-      </p:sp>
-      <p:sp>
-        <p:nvSpPr>
-          <p:cNvPr id="4" name="Content Placeholder 3">
-            <a:extLst>
-              <a:ext uri="{FF2B5EF4-FFF2-40B4-BE49-F238E27FC236}">
-                <a16:creationId xmlns:a16="http://schemas.microsoft.com/office/drawing/2014/main" id="{55DC98AF-76CB-4111-BC67-4A9859983F88}"/>
-              </a:ext>
-            </a:extLst>
-          </p:cNvPr>
-          <p:cNvSpPr>
-            <a:spLocks noGrp="1"/>
-          </p:cNvSpPr>
-          <p:nvPr>
-            <p:ph sz="half" idx="2"/>
-          </p:nvPr>
-        </p:nvSpPr>
-        <p:spPr>
-          <a:xfrm>
-            <a:off x="2080789" y="2277035"/>
-            <a:ext cx="7735564" cy="3124200"/>
+            <a:off x="1086643" y="2552700"/>
+            <a:ext cx="10018713" cy="1752599"/>
           </a:xfrm>
         </p:spPr>
         <p:txBody>
@@ -9619,28 +9547,12 @@
           <a:lstStyle/>
           <a:p>
             <a:r>
-              <a:rPr lang="en-US" sz="2800" dirty="0"/>
-              <a:t>Solves manual attendance flaws with automation.  </a:t>
-            </a:r>
-          </a:p>
-          <a:p>
-            <a:r>
-              <a:rPr lang="en-US" sz="2800" dirty="0"/>
-              <a:t>Balances speed (Node.js) and privacy (Django).  </a:t>
-            </a:r>
-          </a:p>
-          <a:p>
-            <a:r>
-              <a:rPr lang="en-US" sz="2800" dirty="0"/>
-              <a:t>Next Steps: Pilot implementation at the University of </a:t>
-            </a:r>
-            <a:r>
-              <a:rPr lang="en-US" sz="2800" dirty="0" err="1"/>
-              <a:t>Buea</a:t>
-            </a:r>
-            <a:r>
-              <a:rPr lang="en-US" sz="2800" dirty="0"/>
-              <a:t>. </a:t>
+              <a:rPr lang="en-US" sz="5000" dirty="0">
+                <a:solidFill>
+                  <a:srgbClr val="00B0F0"/>
+                </a:solidFill>
+              </a:rPr>
+              <a:t>Thank You</a:t>
             </a:r>
           </a:p>
         </p:txBody>
@@ -9648,16 +9560,25 @@
     </p:spTree>
     <p:extLst>
       <p:ext uri="{BB962C8B-B14F-4D97-AF65-F5344CB8AC3E}">
-        <p14:creationId xmlns:p14="http://schemas.microsoft.com/office/powerpoint/2010/main" val="267705958"/>
+        <p14:creationId xmlns:p14="http://schemas.microsoft.com/office/powerpoint/2010/main" val="2917440445"/>
       </p:ext>
     </p:extLst>
   </p:cSld>
   <p:clrMapOvr>
     <a:masterClrMapping/>
   </p:clrMapOvr>
-  <p:transition spd="slow">
-    <p:wheel spokes="1"/>
-  </p:transition>
+  <mc:AlternateContent xmlns:mc="http://schemas.openxmlformats.org/markup-compatibility/2006" xmlns:p14="http://schemas.microsoft.com/office/powerpoint/2010/main">
+    <mc:Choice Requires="p14">
+      <p:transition spd="slow" p14:dur="1500">
+        <p14:window dir="vert"/>
+      </p:transition>
+    </mc:Choice>
+    <mc:Fallback xmlns="">
+      <p:transition spd="slow">
+        <p:fade/>
+      </p:transition>
+    </mc:Fallback>
+  </mc:AlternateContent>
 </p:sld>
 </file>
 
@@ -9819,87 +9740,6 @@
   <p:transition spd="slow">
     <p:wheel spokes="1"/>
   </p:transition>
-</p:sld>
-</file>
-
-<file path=ppt/slides/slide20.xml><?xml version="1.0" encoding="utf-8"?>
-<p:sld xmlns:a="http://schemas.openxmlformats.org/drawingml/2006/main" xmlns:r="http://schemas.openxmlformats.org/officeDocument/2006/relationships" xmlns:p="http://schemas.openxmlformats.org/presentationml/2006/main">
-  <p:cSld>
-    <p:spTree>
-      <p:nvGrpSpPr>
-        <p:cNvPr id="1" name=""/>
-        <p:cNvGrpSpPr/>
-        <p:nvPr/>
-      </p:nvGrpSpPr>
-      <p:grpSpPr>
-        <a:xfrm>
-          <a:off x="0" y="0"/>
-          <a:ext cx="0" cy="0"/>
-          <a:chOff x="0" y="0"/>
-          <a:chExt cx="0" cy="0"/>
-        </a:xfrm>
-      </p:grpSpPr>
-      <p:sp>
-        <p:nvSpPr>
-          <p:cNvPr id="2" name="Title 1">
-            <a:extLst>
-              <a:ext uri="{FF2B5EF4-FFF2-40B4-BE49-F238E27FC236}">
-                <a16:creationId xmlns:a16="http://schemas.microsoft.com/office/drawing/2014/main" id="{F704B81D-0CEA-532E-2441-3E0BEE5EBB90}"/>
-              </a:ext>
-            </a:extLst>
-          </p:cNvPr>
-          <p:cNvSpPr>
-            <a:spLocks noGrp="1"/>
-          </p:cNvSpPr>
-          <p:nvPr>
-            <p:ph type="title"/>
-          </p:nvPr>
-        </p:nvSpPr>
-        <p:spPr>
-          <a:xfrm>
-            <a:off x="1086643" y="2552700"/>
-            <a:ext cx="10018713" cy="1752599"/>
-          </a:xfrm>
-        </p:spPr>
-        <p:txBody>
-          <a:bodyPr>
-            <a:normAutofit/>
-          </a:bodyPr>
-          <a:lstStyle/>
-          <a:p>
-            <a:r>
-              <a:rPr lang="en-US" sz="5000" dirty="0">
-                <a:solidFill>
-                  <a:srgbClr val="00B0F0"/>
-                </a:solidFill>
-              </a:rPr>
-              <a:t>Thank You</a:t>
-            </a:r>
-          </a:p>
-        </p:txBody>
-      </p:sp>
-    </p:spTree>
-    <p:extLst>
-      <p:ext uri="{BB962C8B-B14F-4D97-AF65-F5344CB8AC3E}">
-        <p14:creationId xmlns:p14="http://schemas.microsoft.com/office/powerpoint/2010/main" val="2917440445"/>
-      </p:ext>
-    </p:extLst>
-  </p:cSld>
-  <p:clrMapOvr>
-    <a:masterClrMapping/>
-  </p:clrMapOvr>
-  <mc:AlternateContent xmlns:mc="http://schemas.openxmlformats.org/markup-compatibility/2006">
-    <mc:Choice xmlns:p14="http://schemas.microsoft.com/office/powerpoint/2010/main" Requires="p14">
-      <p:transition spd="slow" p14:dur="1500">
-        <p14:window dir="vert"/>
-      </p:transition>
-    </mc:Choice>
-    <mc:Fallback>
-      <p:transition spd="slow">
-        <p:fade/>
-      </p:transition>
-    </mc:Fallback>
-  </mc:AlternateContent>
 </p:sld>
 </file>
 
@@ -10132,13 +9972,13 @@
   <p:clrMapOvr>
     <a:masterClrMapping/>
   </p:clrMapOvr>
-  <mc:AlternateContent xmlns:mc="http://schemas.openxmlformats.org/markup-compatibility/2006">
-    <mc:Choice xmlns:p15="http://schemas.microsoft.com/office/powerpoint/2012/main" Requires="p15">
+  <mc:AlternateContent xmlns:mc="http://schemas.openxmlformats.org/markup-compatibility/2006" xmlns:p15="http://schemas.microsoft.com/office/powerpoint/2012/main">
+    <mc:Choice Requires="p15">
       <p:transition xmlns:p14="http://schemas.microsoft.com/office/powerpoint/2010/main" spd="slow" p14:dur="2000">
         <p15:prstTrans prst="crush"/>
       </p:transition>
     </mc:Choice>
-    <mc:Fallback>
+    <mc:Fallback xmlns="">
       <p:transition spd="slow">
         <p:fade/>
       </p:transition>
@@ -11552,13 +11392,13 @@
   <p:clrMapOvr>
     <a:masterClrMapping/>
   </p:clrMapOvr>
-  <mc:AlternateContent xmlns:mc="http://schemas.openxmlformats.org/markup-compatibility/2006">
-    <mc:Choice xmlns:p14="http://schemas.microsoft.com/office/powerpoint/2010/main" Requires="p14">
+  <mc:AlternateContent xmlns:mc="http://schemas.openxmlformats.org/markup-compatibility/2006" xmlns:p14="http://schemas.microsoft.com/office/powerpoint/2010/main">
+    <mc:Choice Requires="p14">
       <p:transition spd="slow" p14:dur="1250">
         <p14:switch dir="r"/>
       </p:transition>
     </mc:Choice>
-    <mc:Fallback>
+    <mc:Fallback xmlns="">
       <p:transition spd="slow">
         <p:fade/>
       </p:transition>
